--- a/07-2-NetworkBasics_2025_2P.pptx
+++ b/07-2-NetworkBasics_2025_2P.pptx
@@ -31416,10 +31416,10 @@
       </p:sp>
       <p:sp>
         <p:nvSpPr>
-          <p:cNvPr id="3" name="TextBox 2">
+          <p:cNvPr id="5" name="TextBox 1">
             <a:extLst>
               <a:ext uri="{FF2B5EF4-FFF2-40B4-BE49-F238E27FC236}">
-                <a16:creationId xmlns:a16="http://schemas.microsoft.com/office/drawing/2014/main" id="{726F5F06-C7C4-7E5C-8235-0758E1013612}"/>
+                <a16:creationId xmlns:a16="http://schemas.microsoft.com/office/drawing/2014/main" id="{50410F85-8A6A-08D6-F54D-BAFA02DB2BC8}"/>
               </a:ext>
             </a:extLst>
           </p:cNvPr>
@@ -31428,7 +31428,7 @@
         </p:nvSpPr>
         <p:spPr>
           <a:xfrm>
-            <a:off x="746911" y="4753090"/>
+            <a:off x="699085" y="4699373"/>
             <a:ext cx="5300804" cy="276999"/>
           </a:xfrm>
           <a:prstGeom prst="rect">
@@ -31440,7 +31440,236 @@
           <a:bodyPr wrap="square">
             <a:spAutoFit/>
           </a:bodyPr>
-          <a:lstStyle/>
+          <a:lstStyle>
+            <a:defPPr marR="0" lvl="0" algn="l" rtl="0">
+              <a:lnSpc>
+                <a:spcPct val="100000"/>
+              </a:lnSpc>
+              <a:spcBef>
+                <a:spcPts val="0"/>
+              </a:spcBef>
+              <a:spcAft>
+                <a:spcPts val="0"/>
+              </a:spcAft>
+              <a:defRPr/>
+            </a:defPPr>
+            <a:lvl1pPr marR="0" lvl="0" algn="l" rtl="0">
+              <a:lnSpc>
+                <a:spcPct val="100000"/>
+              </a:lnSpc>
+              <a:spcBef>
+                <a:spcPts val="0"/>
+              </a:spcBef>
+              <a:spcAft>
+                <a:spcPts val="0"/>
+              </a:spcAft>
+              <a:buClr>
+                <a:srgbClr val="000000"/>
+              </a:buClr>
+              <a:buFont typeface="Arial"/>
+              <a:defRPr sz="1400" b="0" i="0" u="none" strike="noStrike" cap="none">
+                <a:solidFill>
+                  <a:srgbClr val="000000"/>
+                </a:solidFill>
+                <a:latin typeface="Arial"/>
+                <a:ea typeface="Arial"/>
+                <a:cs typeface="Arial"/>
+                <a:sym typeface="Arial"/>
+              </a:defRPr>
+            </a:lvl1pPr>
+            <a:lvl2pPr marR="0" lvl="1" algn="l" rtl="0">
+              <a:lnSpc>
+                <a:spcPct val="100000"/>
+              </a:lnSpc>
+              <a:spcBef>
+                <a:spcPts val="0"/>
+              </a:spcBef>
+              <a:spcAft>
+                <a:spcPts val="0"/>
+              </a:spcAft>
+              <a:buClr>
+                <a:srgbClr val="000000"/>
+              </a:buClr>
+              <a:buFont typeface="Arial"/>
+              <a:defRPr sz="1400" b="0" i="0" u="none" strike="noStrike" cap="none">
+                <a:solidFill>
+                  <a:srgbClr val="000000"/>
+                </a:solidFill>
+                <a:latin typeface="Arial"/>
+                <a:ea typeface="Arial"/>
+                <a:cs typeface="Arial"/>
+                <a:sym typeface="Arial"/>
+              </a:defRPr>
+            </a:lvl2pPr>
+            <a:lvl3pPr marR="0" lvl="2" algn="l" rtl="0">
+              <a:lnSpc>
+                <a:spcPct val="100000"/>
+              </a:lnSpc>
+              <a:spcBef>
+                <a:spcPts val="0"/>
+              </a:spcBef>
+              <a:spcAft>
+                <a:spcPts val="0"/>
+              </a:spcAft>
+              <a:buClr>
+                <a:srgbClr val="000000"/>
+              </a:buClr>
+              <a:buFont typeface="Arial"/>
+              <a:defRPr sz="1400" b="0" i="0" u="none" strike="noStrike" cap="none">
+                <a:solidFill>
+                  <a:srgbClr val="000000"/>
+                </a:solidFill>
+                <a:latin typeface="Arial"/>
+                <a:ea typeface="Arial"/>
+                <a:cs typeface="Arial"/>
+                <a:sym typeface="Arial"/>
+              </a:defRPr>
+            </a:lvl3pPr>
+            <a:lvl4pPr marR="0" lvl="3" algn="l" rtl="0">
+              <a:lnSpc>
+                <a:spcPct val="100000"/>
+              </a:lnSpc>
+              <a:spcBef>
+                <a:spcPts val="0"/>
+              </a:spcBef>
+              <a:spcAft>
+                <a:spcPts val="0"/>
+              </a:spcAft>
+              <a:buClr>
+                <a:srgbClr val="000000"/>
+              </a:buClr>
+              <a:buFont typeface="Arial"/>
+              <a:defRPr sz="1400" b="0" i="0" u="none" strike="noStrike" cap="none">
+                <a:solidFill>
+                  <a:srgbClr val="000000"/>
+                </a:solidFill>
+                <a:latin typeface="Arial"/>
+                <a:ea typeface="Arial"/>
+                <a:cs typeface="Arial"/>
+                <a:sym typeface="Arial"/>
+              </a:defRPr>
+            </a:lvl4pPr>
+            <a:lvl5pPr marR="0" lvl="4" algn="l" rtl="0">
+              <a:lnSpc>
+                <a:spcPct val="100000"/>
+              </a:lnSpc>
+              <a:spcBef>
+                <a:spcPts val="0"/>
+              </a:spcBef>
+              <a:spcAft>
+                <a:spcPts val="0"/>
+              </a:spcAft>
+              <a:buClr>
+                <a:srgbClr val="000000"/>
+              </a:buClr>
+              <a:buFont typeface="Arial"/>
+              <a:defRPr sz="1400" b="0" i="0" u="none" strike="noStrike" cap="none">
+                <a:solidFill>
+                  <a:srgbClr val="000000"/>
+                </a:solidFill>
+                <a:latin typeface="Arial"/>
+                <a:ea typeface="Arial"/>
+                <a:cs typeface="Arial"/>
+                <a:sym typeface="Arial"/>
+              </a:defRPr>
+            </a:lvl5pPr>
+            <a:lvl6pPr marR="0" lvl="5" algn="l" rtl="0">
+              <a:lnSpc>
+                <a:spcPct val="100000"/>
+              </a:lnSpc>
+              <a:spcBef>
+                <a:spcPts val="0"/>
+              </a:spcBef>
+              <a:spcAft>
+                <a:spcPts val="0"/>
+              </a:spcAft>
+              <a:buClr>
+                <a:srgbClr val="000000"/>
+              </a:buClr>
+              <a:buFont typeface="Arial"/>
+              <a:defRPr sz="1400" b="0" i="0" u="none" strike="noStrike" cap="none">
+                <a:solidFill>
+                  <a:srgbClr val="000000"/>
+                </a:solidFill>
+                <a:latin typeface="Arial"/>
+                <a:ea typeface="Arial"/>
+                <a:cs typeface="Arial"/>
+                <a:sym typeface="Arial"/>
+              </a:defRPr>
+            </a:lvl6pPr>
+            <a:lvl7pPr marR="0" lvl="6" algn="l" rtl="0">
+              <a:lnSpc>
+                <a:spcPct val="100000"/>
+              </a:lnSpc>
+              <a:spcBef>
+                <a:spcPts val="0"/>
+              </a:spcBef>
+              <a:spcAft>
+                <a:spcPts val="0"/>
+              </a:spcAft>
+              <a:buClr>
+                <a:srgbClr val="000000"/>
+              </a:buClr>
+              <a:buFont typeface="Arial"/>
+              <a:defRPr sz="1400" b="0" i="0" u="none" strike="noStrike" cap="none">
+                <a:solidFill>
+                  <a:srgbClr val="000000"/>
+                </a:solidFill>
+                <a:latin typeface="Arial"/>
+                <a:ea typeface="Arial"/>
+                <a:cs typeface="Arial"/>
+                <a:sym typeface="Arial"/>
+              </a:defRPr>
+            </a:lvl7pPr>
+            <a:lvl8pPr marR="0" lvl="7" algn="l" rtl="0">
+              <a:lnSpc>
+                <a:spcPct val="100000"/>
+              </a:lnSpc>
+              <a:spcBef>
+                <a:spcPts val="0"/>
+              </a:spcBef>
+              <a:spcAft>
+                <a:spcPts val="0"/>
+              </a:spcAft>
+              <a:buClr>
+                <a:srgbClr val="000000"/>
+              </a:buClr>
+              <a:buFont typeface="Arial"/>
+              <a:defRPr sz="1400" b="0" i="0" u="none" strike="noStrike" cap="none">
+                <a:solidFill>
+                  <a:srgbClr val="000000"/>
+                </a:solidFill>
+                <a:latin typeface="Arial"/>
+                <a:ea typeface="Arial"/>
+                <a:cs typeface="Arial"/>
+                <a:sym typeface="Arial"/>
+              </a:defRPr>
+            </a:lvl8pPr>
+            <a:lvl9pPr marR="0" lvl="8" algn="l" rtl="0">
+              <a:lnSpc>
+                <a:spcPct val="100000"/>
+              </a:lnSpc>
+              <a:spcBef>
+                <a:spcPts val="0"/>
+              </a:spcBef>
+              <a:spcAft>
+                <a:spcPts val="0"/>
+              </a:spcAft>
+              <a:buClr>
+                <a:srgbClr val="000000"/>
+              </a:buClr>
+              <a:buFont typeface="Arial"/>
+              <a:defRPr sz="1400" b="0" i="0" u="none" strike="noStrike" cap="none">
+                <a:solidFill>
+                  <a:srgbClr val="000000"/>
+                </a:solidFill>
+                <a:latin typeface="Arial"/>
+                <a:ea typeface="Arial"/>
+                <a:cs typeface="Arial"/>
+                <a:sym typeface="Arial"/>
+              </a:defRPr>
+            </a:lvl9pPr>
+          </a:lstStyle>
           <a:p>
             <a:pPr algn="l"/>
             <a:r>
@@ -31480,7 +31709,7 @@
                   <a:schemeClr val="tx1"/>
                 </a:solidFill>
               </a:rPr>
-              <a:t>marikotagawa@mail.com</a:t>
+              <a:t>marikotagawa@gmail.com</a:t>
             </a:r>
             <a:r>
               <a:rPr lang="en-US" sz="1200" dirty="0">
